--- a/bitcoin_market_report_nov2024.pptx
+++ b/bitcoin_market_report_nov2024.pptx
@@ -3297,6 +3297,78 @@
           </a:p>
         </p:txBody>
       </p:sp>
+      <p:sp>
+        <p:nvSpPr>
+          <p:cNvPr id="5" name="TextBox 4"/>
+          <p:cNvSpPr txBox="1"/>
+          <p:nvPr/>
+        </p:nvSpPr>
+        <p:spPr>
+          <a:xfrm>
+            <a:off x="457200" y="6309360"/>
+            <a:ext cx="5486400" cy="342900"/>
+          </a:xfrm>
+          <a:prstGeom prst="rect">
+            <a:avLst/>
+          </a:prstGeom>
+          <a:noFill/>
+        </p:spPr>
+        <p:txBody>
+          <a:bodyPr wrap="square">
+            <a:spAutoFit/>
+          </a:bodyPr>
+          <a:lstStyle/>
+          <a:p>
+            <a:pPr algn="l">
+              <a:defRPr sz="1000" b="0" i="0">
+                <a:solidFill>
+                  <a:srgbClr val="595959"/>
+                </a:solidFill>
+                <a:latin typeface="Calibri"/>
+              </a:defRPr>
+            </a:pPr>
+            <a:r>
+              <a:t>Bitcoin Market Report • November 2024</a:t>
+            </a:r>
+          </a:p>
+        </p:txBody>
+      </p:sp>
+      <p:sp>
+        <p:nvSpPr>
+          <p:cNvPr id="6" name="TextBox 5"/>
+          <p:cNvSpPr txBox="1"/>
+          <p:nvPr/>
+        </p:nvSpPr>
+        <p:spPr>
+          <a:xfrm>
+            <a:off x="8412480" y="6309360"/>
+            <a:ext cx="457200" cy="342900"/>
+          </a:xfrm>
+          <a:prstGeom prst="rect">
+            <a:avLst/>
+          </a:prstGeom>
+          <a:noFill/>
+        </p:spPr>
+        <p:txBody>
+          <a:bodyPr wrap="square">
+            <a:spAutoFit/>
+          </a:bodyPr>
+          <a:lstStyle/>
+          <a:p>
+            <a:pPr algn="l">
+              <a:defRPr sz="1000" b="0" i="0">
+                <a:solidFill>
+                  <a:srgbClr val="595959"/>
+                </a:solidFill>
+                <a:latin typeface="Calibri"/>
+              </a:defRPr>
+            </a:pPr>
+            <a:r>
+              <a:t>2</a:t>
+            </a:r>
+          </a:p>
+        </p:txBody>
+      </p:sp>
     </p:spTree>
   </p:cSld>
   <p:clrMapOvr>
@@ -3492,6 +3564,78 @@
           </a:p>
         </p:txBody>
       </p:sp>
+      <p:sp>
+        <p:nvSpPr>
+          <p:cNvPr id="7" name="TextBox 6"/>
+          <p:cNvSpPr txBox="1"/>
+          <p:nvPr/>
+        </p:nvSpPr>
+        <p:spPr>
+          <a:xfrm>
+            <a:off x="457200" y="6309360"/>
+            <a:ext cx="5486400" cy="342900"/>
+          </a:xfrm>
+          <a:prstGeom prst="rect">
+            <a:avLst/>
+          </a:prstGeom>
+          <a:noFill/>
+        </p:spPr>
+        <p:txBody>
+          <a:bodyPr wrap="square">
+            <a:spAutoFit/>
+          </a:bodyPr>
+          <a:lstStyle/>
+          <a:p>
+            <a:pPr algn="l">
+              <a:defRPr sz="1000" b="0" i="0">
+                <a:solidFill>
+                  <a:srgbClr val="595959"/>
+                </a:solidFill>
+                <a:latin typeface="Calibri"/>
+              </a:defRPr>
+            </a:pPr>
+            <a:r>
+              <a:t>Bitcoin Market Report • November 2024</a:t>
+            </a:r>
+          </a:p>
+        </p:txBody>
+      </p:sp>
+      <p:sp>
+        <p:nvSpPr>
+          <p:cNvPr id="8" name="TextBox 7"/>
+          <p:cNvSpPr txBox="1"/>
+          <p:nvPr/>
+        </p:nvSpPr>
+        <p:spPr>
+          <a:xfrm>
+            <a:off x="8412480" y="6309360"/>
+            <a:ext cx="457200" cy="342900"/>
+          </a:xfrm>
+          <a:prstGeom prst="rect">
+            <a:avLst/>
+          </a:prstGeom>
+          <a:noFill/>
+        </p:spPr>
+        <p:txBody>
+          <a:bodyPr wrap="square">
+            <a:spAutoFit/>
+          </a:bodyPr>
+          <a:lstStyle/>
+          <a:p>
+            <a:pPr algn="l">
+              <a:defRPr sz="1000" b="0" i="0">
+                <a:solidFill>
+                  <a:srgbClr val="595959"/>
+                </a:solidFill>
+                <a:latin typeface="Calibri"/>
+              </a:defRPr>
+            </a:pPr>
+            <a:r>
+              <a:t>3</a:t>
+            </a:r>
+          </a:p>
+        </p:txBody>
+      </p:sp>
     </p:spTree>
   </p:cSld>
   <p:clrMapOvr>
@@ -3687,6 +3831,78 @@
           </a:p>
         </p:txBody>
       </p:sp>
+      <p:sp>
+        <p:nvSpPr>
+          <p:cNvPr id="7" name="TextBox 6"/>
+          <p:cNvSpPr txBox="1"/>
+          <p:nvPr/>
+        </p:nvSpPr>
+        <p:spPr>
+          <a:xfrm>
+            <a:off x="457200" y="6309360"/>
+            <a:ext cx="5486400" cy="342900"/>
+          </a:xfrm>
+          <a:prstGeom prst="rect">
+            <a:avLst/>
+          </a:prstGeom>
+          <a:noFill/>
+        </p:spPr>
+        <p:txBody>
+          <a:bodyPr wrap="square">
+            <a:spAutoFit/>
+          </a:bodyPr>
+          <a:lstStyle/>
+          <a:p>
+            <a:pPr algn="l">
+              <a:defRPr sz="1000" b="0" i="0">
+                <a:solidFill>
+                  <a:srgbClr val="595959"/>
+                </a:solidFill>
+                <a:latin typeface="Calibri"/>
+              </a:defRPr>
+            </a:pPr>
+            <a:r>
+              <a:t>Bitcoin Market Report • November 2024</a:t>
+            </a:r>
+          </a:p>
+        </p:txBody>
+      </p:sp>
+      <p:sp>
+        <p:nvSpPr>
+          <p:cNvPr id="8" name="TextBox 7"/>
+          <p:cNvSpPr txBox="1"/>
+          <p:nvPr/>
+        </p:nvSpPr>
+        <p:spPr>
+          <a:xfrm>
+            <a:off x="8412480" y="6309360"/>
+            <a:ext cx="457200" cy="342900"/>
+          </a:xfrm>
+          <a:prstGeom prst="rect">
+            <a:avLst/>
+          </a:prstGeom>
+          <a:noFill/>
+        </p:spPr>
+        <p:txBody>
+          <a:bodyPr wrap="square">
+            <a:spAutoFit/>
+          </a:bodyPr>
+          <a:lstStyle/>
+          <a:p>
+            <a:pPr algn="l">
+              <a:defRPr sz="1000" b="0" i="0">
+                <a:solidFill>
+                  <a:srgbClr val="595959"/>
+                </a:solidFill>
+                <a:latin typeface="Calibri"/>
+              </a:defRPr>
+            </a:pPr>
+            <a:r>
+              <a:t>4</a:t>
+            </a:r>
+          </a:p>
+        </p:txBody>
+      </p:sp>
     </p:spTree>
   </p:cSld>
   <p:clrMapOvr>
@@ -3806,6 +4022,78 @@
           </a:p>
         </p:txBody>
       </p:sp>
+      <p:sp>
+        <p:nvSpPr>
+          <p:cNvPr id="5" name="TextBox 4"/>
+          <p:cNvSpPr txBox="1"/>
+          <p:nvPr/>
+        </p:nvSpPr>
+        <p:spPr>
+          <a:xfrm>
+            <a:off x="457200" y="6309360"/>
+            <a:ext cx="5486400" cy="342900"/>
+          </a:xfrm>
+          <a:prstGeom prst="rect">
+            <a:avLst/>
+          </a:prstGeom>
+          <a:noFill/>
+        </p:spPr>
+        <p:txBody>
+          <a:bodyPr wrap="square">
+            <a:spAutoFit/>
+          </a:bodyPr>
+          <a:lstStyle/>
+          <a:p>
+            <a:pPr algn="l">
+              <a:defRPr sz="1000" b="0" i="0">
+                <a:solidFill>
+                  <a:srgbClr val="595959"/>
+                </a:solidFill>
+                <a:latin typeface="Calibri"/>
+              </a:defRPr>
+            </a:pPr>
+            <a:r>
+              <a:t>Bitcoin Market Report • November 2024</a:t>
+            </a:r>
+          </a:p>
+        </p:txBody>
+      </p:sp>
+      <p:sp>
+        <p:nvSpPr>
+          <p:cNvPr id="6" name="TextBox 5"/>
+          <p:cNvSpPr txBox="1"/>
+          <p:nvPr/>
+        </p:nvSpPr>
+        <p:spPr>
+          <a:xfrm>
+            <a:off x="8412480" y="6309360"/>
+            <a:ext cx="457200" cy="342900"/>
+          </a:xfrm>
+          <a:prstGeom prst="rect">
+            <a:avLst/>
+          </a:prstGeom>
+          <a:noFill/>
+        </p:spPr>
+        <p:txBody>
+          <a:bodyPr wrap="square">
+            <a:spAutoFit/>
+          </a:bodyPr>
+          <a:lstStyle/>
+          <a:p>
+            <a:pPr algn="l">
+              <a:defRPr sz="1000" b="0" i="0">
+                <a:solidFill>
+                  <a:srgbClr val="595959"/>
+                </a:solidFill>
+                <a:latin typeface="Calibri"/>
+              </a:defRPr>
+            </a:pPr>
+            <a:r>
+              <a:t>5</a:t>
+            </a:r>
+          </a:p>
+        </p:txBody>
+      </p:sp>
     </p:spTree>
   </p:cSld>
   <p:clrMapOvr>
@@ -4001,6 +4289,78 @@
           </a:p>
         </p:txBody>
       </p:sp>
+      <p:sp>
+        <p:nvSpPr>
+          <p:cNvPr id="7" name="TextBox 6"/>
+          <p:cNvSpPr txBox="1"/>
+          <p:nvPr/>
+        </p:nvSpPr>
+        <p:spPr>
+          <a:xfrm>
+            <a:off x="457200" y="6309360"/>
+            <a:ext cx="5486400" cy="342900"/>
+          </a:xfrm>
+          <a:prstGeom prst="rect">
+            <a:avLst/>
+          </a:prstGeom>
+          <a:noFill/>
+        </p:spPr>
+        <p:txBody>
+          <a:bodyPr wrap="square">
+            <a:spAutoFit/>
+          </a:bodyPr>
+          <a:lstStyle/>
+          <a:p>
+            <a:pPr algn="l">
+              <a:defRPr sz="1000" b="0" i="0">
+                <a:solidFill>
+                  <a:srgbClr val="595959"/>
+                </a:solidFill>
+                <a:latin typeface="Calibri"/>
+              </a:defRPr>
+            </a:pPr>
+            <a:r>
+              <a:t>Bitcoin Market Report • November 2024</a:t>
+            </a:r>
+          </a:p>
+        </p:txBody>
+      </p:sp>
+      <p:sp>
+        <p:nvSpPr>
+          <p:cNvPr id="8" name="TextBox 7"/>
+          <p:cNvSpPr txBox="1"/>
+          <p:nvPr/>
+        </p:nvSpPr>
+        <p:spPr>
+          <a:xfrm>
+            <a:off x="8412480" y="6309360"/>
+            <a:ext cx="457200" cy="342900"/>
+          </a:xfrm>
+          <a:prstGeom prst="rect">
+            <a:avLst/>
+          </a:prstGeom>
+          <a:noFill/>
+        </p:spPr>
+        <p:txBody>
+          <a:bodyPr wrap="square">
+            <a:spAutoFit/>
+          </a:bodyPr>
+          <a:lstStyle/>
+          <a:p>
+            <a:pPr algn="l">
+              <a:defRPr sz="1000" b="0" i="0">
+                <a:solidFill>
+                  <a:srgbClr val="595959"/>
+                </a:solidFill>
+                <a:latin typeface="Calibri"/>
+              </a:defRPr>
+            </a:pPr>
+            <a:r>
+              <a:t>6</a:t>
+            </a:r>
+          </a:p>
+        </p:txBody>
+      </p:sp>
     </p:spTree>
   </p:cSld>
   <p:clrMapOvr>
@@ -4196,6 +4556,78 @@
           </a:p>
         </p:txBody>
       </p:sp>
+      <p:sp>
+        <p:nvSpPr>
+          <p:cNvPr id="7" name="TextBox 6"/>
+          <p:cNvSpPr txBox="1"/>
+          <p:nvPr/>
+        </p:nvSpPr>
+        <p:spPr>
+          <a:xfrm>
+            <a:off x="457200" y="6309360"/>
+            <a:ext cx="5486400" cy="342900"/>
+          </a:xfrm>
+          <a:prstGeom prst="rect">
+            <a:avLst/>
+          </a:prstGeom>
+          <a:noFill/>
+        </p:spPr>
+        <p:txBody>
+          <a:bodyPr wrap="square">
+            <a:spAutoFit/>
+          </a:bodyPr>
+          <a:lstStyle/>
+          <a:p>
+            <a:pPr algn="l">
+              <a:defRPr sz="1000" b="0" i="0">
+                <a:solidFill>
+                  <a:srgbClr val="595959"/>
+                </a:solidFill>
+                <a:latin typeface="Calibri"/>
+              </a:defRPr>
+            </a:pPr>
+            <a:r>
+              <a:t>Bitcoin Market Report • November 2024</a:t>
+            </a:r>
+          </a:p>
+        </p:txBody>
+      </p:sp>
+      <p:sp>
+        <p:nvSpPr>
+          <p:cNvPr id="8" name="TextBox 7"/>
+          <p:cNvSpPr txBox="1"/>
+          <p:nvPr/>
+        </p:nvSpPr>
+        <p:spPr>
+          <a:xfrm>
+            <a:off x="8412480" y="6309360"/>
+            <a:ext cx="457200" cy="342900"/>
+          </a:xfrm>
+          <a:prstGeom prst="rect">
+            <a:avLst/>
+          </a:prstGeom>
+          <a:noFill/>
+        </p:spPr>
+        <p:txBody>
+          <a:bodyPr wrap="square">
+            <a:spAutoFit/>
+          </a:bodyPr>
+          <a:lstStyle/>
+          <a:p>
+            <a:pPr algn="l">
+              <a:defRPr sz="1000" b="0" i="0">
+                <a:solidFill>
+                  <a:srgbClr val="595959"/>
+                </a:solidFill>
+                <a:latin typeface="Calibri"/>
+              </a:defRPr>
+            </a:pPr>
+            <a:r>
+              <a:t>7</a:t>
+            </a:r>
+          </a:p>
+        </p:txBody>
+      </p:sp>
     </p:spTree>
   </p:cSld>
   <p:clrMapOvr>
@@ -4450,6 +4882,78 @@
           </a:p>
         </p:txBody>
       </p:sp>
+      <p:sp>
+        <p:nvSpPr>
+          <p:cNvPr id="8" name="TextBox 7"/>
+          <p:cNvSpPr txBox="1"/>
+          <p:nvPr/>
+        </p:nvSpPr>
+        <p:spPr>
+          <a:xfrm>
+            <a:off x="457200" y="6309360"/>
+            <a:ext cx="5486400" cy="342900"/>
+          </a:xfrm>
+          <a:prstGeom prst="rect">
+            <a:avLst/>
+          </a:prstGeom>
+          <a:noFill/>
+        </p:spPr>
+        <p:txBody>
+          <a:bodyPr wrap="square">
+            <a:spAutoFit/>
+          </a:bodyPr>
+          <a:lstStyle/>
+          <a:p>
+            <a:pPr algn="l">
+              <a:defRPr sz="1000" b="0" i="0">
+                <a:solidFill>
+                  <a:srgbClr val="595959"/>
+                </a:solidFill>
+                <a:latin typeface="Calibri"/>
+              </a:defRPr>
+            </a:pPr>
+            <a:r>
+              <a:t>Bitcoin Market Report • November 2024</a:t>
+            </a:r>
+          </a:p>
+        </p:txBody>
+      </p:sp>
+      <p:sp>
+        <p:nvSpPr>
+          <p:cNvPr id="9" name="TextBox 8"/>
+          <p:cNvSpPr txBox="1"/>
+          <p:nvPr/>
+        </p:nvSpPr>
+        <p:spPr>
+          <a:xfrm>
+            <a:off x="8412480" y="6309360"/>
+            <a:ext cx="457200" cy="342900"/>
+          </a:xfrm>
+          <a:prstGeom prst="rect">
+            <a:avLst/>
+          </a:prstGeom>
+          <a:noFill/>
+        </p:spPr>
+        <p:txBody>
+          <a:bodyPr wrap="square">
+            <a:spAutoFit/>
+          </a:bodyPr>
+          <a:lstStyle/>
+          <a:p>
+            <a:pPr algn="l">
+              <a:defRPr sz="1000" b="0" i="0">
+                <a:solidFill>
+                  <a:srgbClr val="595959"/>
+                </a:solidFill>
+                <a:latin typeface="Calibri"/>
+              </a:defRPr>
+            </a:pPr>
+            <a:r>
+              <a:t>8</a:t>
+            </a:r>
+          </a:p>
+        </p:txBody>
+      </p:sp>
     </p:spTree>
   </p:cSld>
   <p:clrMapOvr>
@@ -4565,6 +5069,78 @@
             </a:pPr>
             <a:r>
               <a:t>Recovery requires renewed institutional inflows and stabilized sentiment</a:t>
+            </a:r>
+          </a:p>
+        </p:txBody>
+      </p:sp>
+      <p:sp>
+        <p:nvSpPr>
+          <p:cNvPr id="5" name="TextBox 4"/>
+          <p:cNvSpPr txBox="1"/>
+          <p:nvPr/>
+        </p:nvSpPr>
+        <p:spPr>
+          <a:xfrm>
+            <a:off x="457200" y="6309360"/>
+            <a:ext cx="5486400" cy="342900"/>
+          </a:xfrm>
+          <a:prstGeom prst="rect">
+            <a:avLst/>
+          </a:prstGeom>
+          <a:noFill/>
+        </p:spPr>
+        <p:txBody>
+          <a:bodyPr wrap="square">
+            <a:spAutoFit/>
+          </a:bodyPr>
+          <a:lstStyle/>
+          <a:p>
+            <a:pPr algn="l">
+              <a:defRPr sz="1000" b="0" i="0">
+                <a:solidFill>
+                  <a:srgbClr val="595959"/>
+                </a:solidFill>
+                <a:latin typeface="Calibri"/>
+              </a:defRPr>
+            </a:pPr>
+            <a:r>
+              <a:t>Bitcoin Market Report • November 2024</a:t>
+            </a:r>
+          </a:p>
+        </p:txBody>
+      </p:sp>
+      <p:sp>
+        <p:nvSpPr>
+          <p:cNvPr id="6" name="TextBox 5"/>
+          <p:cNvSpPr txBox="1"/>
+          <p:nvPr/>
+        </p:nvSpPr>
+        <p:spPr>
+          <a:xfrm>
+            <a:off x="8412480" y="6309360"/>
+            <a:ext cx="457200" cy="342900"/>
+          </a:xfrm>
+          <a:prstGeom prst="rect">
+            <a:avLst/>
+          </a:prstGeom>
+          <a:noFill/>
+        </p:spPr>
+        <p:txBody>
+          <a:bodyPr wrap="square">
+            <a:spAutoFit/>
+          </a:bodyPr>
+          <a:lstStyle/>
+          <a:p>
+            <a:pPr algn="l">
+              <a:defRPr sz="1000" b="0" i="0">
+                <a:solidFill>
+                  <a:srgbClr val="595959"/>
+                </a:solidFill>
+                <a:latin typeface="Calibri"/>
+              </a:defRPr>
+            </a:pPr>
+            <a:r>
+              <a:t>9</a:t>
             </a:r>
           </a:p>
         </p:txBody>
